--- a/presentations/SPG_spint2_presentation.pptx
+++ b/presentations/SPG_spint2_presentation.pptx
@@ -7897,7 +7897,7 @@
             </a:pPr>
             <a:r>
               <a:rPr lang="en-US" sz="2800" dirty="0"/>
-              <a:t>Here a farmer can confirm or modify the amount of products for the next week.</a:t>
+              <a:t>Here a farmer can confirm/modify the amount of products for the next week or add a new product.</a:t>
             </a:r>
           </a:p>
         </p:txBody>

--- a/presentations/SPG_spint2_presentation.pptx
+++ b/presentations/SPG_spint2_presentation.pptx
@@ -216,7 +216,7 @@
             <a:pPr rtl="0"/>
             <a:fld id="{227A3769-973A-471F-AE95-803ACD9DB45A}" type="datetime1">
               <a:rPr lang="it-IT" smtClean="0"/>
-              <a:t>29/11/2021</a:t>
+              <a:t>30/11/2021</a:t>
             </a:fld>
             <a:endParaRPr lang="en-US"/>
           </a:p>
@@ -386,7 +386,7 @@
             <a:pPr rtl="0"/>
             <a:fld id="{F8B562AB-E890-432E-8086-3C35B5B6BC74}" type="datetime1">
               <a:rPr lang="it-IT" smtClean="0"/>
-              <a:t>29/11/2021</a:t>
+              <a:t>30/11/2021</a:t>
             </a:fld>
             <a:endParaRPr lang="en-US"/>
           </a:p>
@@ -1131,7 +1131,7 @@
             <a:pPr rtl="0"/>
             <a:fld id="{46B2AB89-642D-461B-88E3-BE7E49276E6D}" type="datetime1">
               <a:rPr lang="it-IT" smtClean="0"/>
-              <a:t>29/11/2021</a:t>
+              <a:t>30/11/2021</a:t>
             </a:fld>
             <a:endParaRPr lang="en-US"/>
           </a:p>
@@ -1337,7 +1337,7 @@
             <a:pPr rtl="0"/>
             <a:fld id="{FB6DF1C0-0F0C-4064-ABD6-C9C1782C86AE}" type="datetime1">
               <a:rPr lang="it-IT" smtClean="0"/>
-              <a:t>29/11/2021</a:t>
+              <a:t>30/11/2021</a:t>
             </a:fld>
             <a:endParaRPr lang="en-US"/>
           </a:p>
@@ -1521,7 +1521,7 @@
             <a:pPr rtl="0"/>
             <a:fld id="{CD3A0FBA-A5A6-4E7F-AECA-E819E1A4206B}" type="datetime1">
               <a:rPr lang="it-IT" smtClean="0"/>
-              <a:t>29/11/2021</a:t>
+              <a:t>30/11/2021</a:t>
             </a:fld>
             <a:endParaRPr lang="en-US"/>
           </a:p>
@@ -1695,7 +1695,7 @@
             <a:pPr rtl="0"/>
             <a:fld id="{85E0D28E-6F2F-4715-A424-3B01AC64AD4B}" type="datetime1">
               <a:rPr lang="it-IT" smtClean="0"/>
-              <a:t>29/11/2021</a:t>
+              <a:t>30/11/2021</a:t>
             </a:fld>
             <a:endParaRPr lang="en-US"/>
           </a:p>
@@ -2298,7 +2298,7 @@
             <a:pPr rtl="0"/>
             <a:fld id="{F953424F-4FD0-4DEA-A244-2F5A83926123}" type="datetime1">
               <a:rPr lang="it-IT" smtClean="0"/>
-              <a:t>29/11/2021</a:t>
+              <a:t>30/11/2021</a:t>
             </a:fld>
             <a:endParaRPr lang="en-US"/>
           </a:p>
@@ -2622,7 +2622,7 @@
             <a:pPr rtl="0"/>
             <a:fld id="{ED487A35-6EB2-4106-87BE-5998F37E93E7}" type="datetime1">
               <a:rPr lang="it-IT" smtClean="0"/>
-              <a:t>29/11/2021</a:t>
+              <a:t>30/11/2021</a:t>
             </a:fld>
             <a:endParaRPr lang="en-US"/>
           </a:p>
@@ -3063,7 +3063,7 @@
             <a:pPr rtl="0"/>
             <a:fld id="{6D0A2449-0E6F-4EC8-9AF5-127FFF9E4F17}" type="datetime1">
               <a:rPr lang="it-IT" smtClean="0"/>
-              <a:t>29/11/2021</a:t>
+              <a:t>30/11/2021</a:t>
             </a:fld>
             <a:endParaRPr lang="en-US"/>
           </a:p>
@@ -3185,7 +3185,7 @@
             <a:pPr rtl="0"/>
             <a:fld id="{43ECC08F-3232-4266-A826-505EFF618F02}" type="datetime1">
               <a:rPr lang="it-IT" smtClean="0"/>
-              <a:t>29/11/2021</a:t>
+              <a:t>30/11/2021</a:t>
             </a:fld>
             <a:endParaRPr lang="en-US"/>
           </a:p>
@@ -3283,7 +3283,7 @@
             <a:pPr rtl="0"/>
             <a:fld id="{6CC19903-FCE7-40DD-9ABE-472E27EE3DF9}" type="datetime1">
               <a:rPr lang="it-IT" smtClean="0"/>
-              <a:t>29/11/2021</a:t>
+              <a:t>30/11/2021</a:t>
             </a:fld>
             <a:endParaRPr lang="en-US"/>
           </a:p>
@@ -3704,7 +3704,7 @@
             <a:pPr rtl="0"/>
             <a:fld id="{24F848B3-DD0C-4C86-9703-1DC7B521FCF8}" type="datetime1">
               <a:rPr lang="it-IT" smtClean="0"/>
-              <a:t>29/11/2021</a:t>
+              <a:t>30/11/2021</a:t>
             </a:fld>
             <a:endParaRPr lang="en-US"/>
           </a:p>
@@ -3969,7 +3969,7 @@
             <a:pPr rtl="0"/>
             <a:fld id="{711CFEF3-F103-4E31-9572-24F0BC84FDFF}" type="datetime1">
               <a:rPr lang="it-IT" smtClean="0"/>
-              <a:t>29/11/2021</a:t>
+              <a:t>30/11/2021</a:t>
             </a:fld>
             <a:endParaRPr lang="en-US"/>
           </a:p>
@@ -4489,7 +4489,7 @@
             <a:pPr rtl="0"/>
             <a:fld id="{8A8228F9-9C50-4094-9999-09A1682E91E0}" type="datetime1">
               <a:rPr lang="it-IT" smtClean="0"/>
-              <a:t>29/11/2021</a:t>
+              <a:t>30/11/2021</a:t>
             </a:fld>
             <a:endParaRPr lang="en-US"/>
           </a:p>
@@ -8332,7 +8332,7 @@
             </a:pPr>
             <a:r>
               <a:rPr lang="en-US" sz="2800" dirty="0"/>
-              <a:t>Route “/”:</a:t>
+              <a:t>Route “/employee/orders”:</a:t>
             </a:r>
           </a:p>
           <a:p>
@@ -8340,7 +8340,10 @@
               <a:buFont typeface="Garamond" pitchFamily="18" charset="0"/>
               <a:buNone/>
             </a:pPr>
-            <a:endParaRPr lang="en-US" sz="2800" dirty="0"/>
+            <a:r>
+              <a:rPr lang="en-US" sz="2800" dirty="0"/>
+              <a:t>If a user issue an order without having enough money to pay it, the employee will see a red order into the list of orders.</a:t>
+            </a:r>
           </a:p>
         </p:txBody>
       </p:sp>

--- a/presentations/SPG_spint2_presentation.pptx
+++ b/presentations/SPG_spint2_presentation.pptx
@@ -5235,7 +5235,7 @@
             <a:pPr algn="ctr"/>
             <a:r>
               <a:rPr lang="en-GB" dirty="0"/>
-              <a:t>STORY 6</a:t>
+              <a:t>STORY 11</a:t>
             </a:r>
           </a:p>
         </p:txBody>
@@ -5680,7 +5680,7 @@
             <a:pPr algn="ctr"/>
             <a:r>
               <a:rPr lang="en-GB" dirty="0"/>
-              <a:t>STORY 7</a:t>
+              <a:t>STORY 12</a:t>
             </a:r>
           </a:p>
         </p:txBody>
@@ -6843,7 +6843,7 @@
             <a:pPr algn="ctr"/>
             <a:r>
               <a:rPr lang="en-GB" dirty="0"/>
-              <a:t>STORY 1</a:t>
+              <a:t>STORY 6</a:t>
             </a:r>
           </a:p>
         </p:txBody>
@@ -7055,7 +7055,7 @@
             <a:pPr algn="ctr"/>
             <a:r>
               <a:rPr lang="en-GB" dirty="0"/>
-              <a:t>STORY 2</a:t>
+              <a:t>STORY 7</a:t>
             </a:r>
           </a:p>
         </p:txBody>
@@ -7277,7 +7277,7 @@
             <a:pPr algn="ctr"/>
             <a:r>
               <a:rPr lang="en-GB" dirty="0"/>
-              <a:t>STORY 3</a:t>
+              <a:t>STORY 8</a:t>
             </a:r>
           </a:p>
         </p:txBody>
@@ -7493,7 +7493,7 @@
             <a:pPr algn="ctr"/>
             <a:r>
               <a:rPr lang="en-GB" dirty="0"/>
-              <a:t>STORY 4</a:t>
+              <a:t>STORY 9</a:t>
             </a:r>
           </a:p>
         </p:txBody>
@@ -7956,7 +7956,7 @@
             <a:pPr algn="ctr"/>
             <a:r>
               <a:rPr lang="en-GB" dirty="0"/>
-              <a:t>STORY 5</a:t>
+              <a:t>STORY 10</a:t>
             </a:r>
           </a:p>
         </p:txBody>
